--- a/presentations/BCBM Subtype Analysis.pptx
+++ b/presentations/BCBM Subtype Analysis.pptx
@@ -267,7 +267,7 @@
           <a:p>
             <a:fld id="{477EC6C2-7952-6043-8EE1-3FF66432BB50}" type="datetimeFigureOut">
               <a:rPr lang="en-US" smtClean="0"/>
-              <a:t>1/18/24</a:t>
+              <a:t>2/8/24</a:t>
             </a:fld>
             <a:endParaRPr lang="en-US"/>
           </a:p>
@@ -465,7 +465,7 @@
           <a:p>
             <a:fld id="{477EC6C2-7952-6043-8EE1-3FF66432BB50}" type="datetimeFigureOut">
               <a:rPr lang="en-US" smtClean="0"/>
-              <a:t>1/18/24</a:t>
+              <a:t>2/8/24</a:t>
             </a:fld>
             <a:endParaRPr lang="en-US"/>
           </a:p>
@@ -673,7 +673,7 @@
           <a:p>
             <a:fld id="{477EC6C2-7952-6043-8EE1-3FF66432BB50}" type="datetimeFigureOut">
               <a:rPr lang="en-US" smtClean="0"/>
-              <a:t>1/18/24</a:t>
+              <a:t>2/8/24</a:t>
             </a:fld>
             <a:endParaRPr lang="en-US"/>
           </a:p>
@@ -871,7 +871,7 @@
           <a:p>
             <a:fld id="{477EC6C2-7952-6043-8EE1-3FF66432BB50}" type="datetimeFigureOut">
               <a:rPr lang="en-US" smtClean="0"/>
-              <a:t>1/18/24</a:t>
+              <a:t>2/8/24</a:t>
             </a:fld>
             <a:endParaRPr lang="en-US"/>
           </a:p>
@@ -1146,7 +1146,7 @@
           <a:p>
             <a:fld id="{477EC6C2-7952-6043-8EE1-3FF66432BB50}" type="datetimeFigureOut">
               <a:rPr lang="en-US" smtClean="0"/>
-              <a:t>1/18/24</a:t>
+              <a:t>2/8/24</a:t>
             </a:fld>
             <a:endParaRPr lang="en-US"/>
           </a:p>
@@ -1411,7 +1411,7 @@
           <a:p>
             <a:fld id="{477EC6C2-7952-6043-8EE1-3FF66432BB50}" type="datetimeFigureOut">
               <a:rPr lang="en-US" smtClean="0"/>
-              <a:t>1/18/24</a:t>
+              <a:t>2/8/24</a:t>
             </a:fld>
             <a:endParaRPr lang="en-US"/>
           </a:p>
@@ -1823,7 +1823,7 @@
           <a:p>
             <a:fld id="{477EC6C2-7952-6043-8EE1-3FF66432BB50}" type="datetimeFigureOut">
               <a:rPr lang="en-US" smtClean="0"/>
-              <a:t>1/18/24</a:t>
+              <a:t>2/8/24</a:t>
             </a:fld>
             <a:endParaRPr lang="en-US"/>
           </a:p>
@@ -1964,7 +1964,7 @@
           <a:p>
             <a:fld id="{477EC6C2-7952-6043-8EE1-3FF66432BB50}" type="datetimeFigureOut">
               <a:rPr lang="en-US" smtClean="0"/>
-              <a:t>1/18/24</a:t>
+              <a:t>2/8/24</a:t>
             </a:fld>
             <a:endParaRPr lang="en-US"/>
           </a:p>
@@ -2077,7 +2077,7 @@
           <a:p>
             <a:fld id="{477EC6C2-7952-6043-8EE1-3FF66432BB50}" type="datetimeFigureOut">
               <a:rPr lang="en-US" smtClean="0"/>
-              <a:t>1/18/24</a:t>
+              <a:t>2/8/24</a:t>
             </a:fld>
             <a:endParaRPr lang="en-US"/>
           </a:p>
@@ -2388,7 +2388,7 @@
           <a:p>
             <a:fld id="{477EC6C2-7952-6043-8EE1-3FF66432BB50}" type="datetimeFigureOut">
               <a:rPr lang="en-US" smtClean="0"/>
-              <a:t>1/18/24</a:t>
+              <a:t>2/8/24</a:t>
             </a:fld>
             <a:endParaRPr lang="en-US"/>
           </a:p>
@@ -2676,7 +2676,7 @@
           <a:p>
             <a:fld id="{477EC6C2-7952-6043-8EE1-3FF66432BB50}" type="datetimeFigureOut">
               <a:rPr lang="en-US" smtClean="0"/>
-              <a:t>1/18/24</a:t>
+              <a:t>2/8/24</a:t>
             </a:fld>
             <a:endParaRPr lang="en-US"/>
           </a:p>
@@ -2917,7 +2917,7 @@
           <a:p>
             <a:fld id="{477EC6C2-7952-6043-8EE1-3FF66432BB50}" type="datetimeFigureOut">
               <a:rPr lang="en-US" smtClean="0"/>
-              <a:t>1/18/24</a:t>
+              <a:t>2/8/24</a:t>
             </a:fld>
             <a:endParaRPr lang="en-US"/>
           </a:p>
@@ -3477,67 +3477,67 @@
           <a:p>
             <a:r>
               <a:rPr lang="en-US" dirty="0"/>
-              <a:t>HER2-/HR+: 36</a:t>
+              <a:t>HER2-/HR+: 13 pts </a:t>
             </a:r>
           </a:p>
           <a:p>
             <a:pPr lvl="1"/>
             <a:r>
               <a:rPr lang="en-US" dirty="0"/>
-              <a:t>HER2-0: 4</a:t>
+              <a:t>HER2-0: 2 pts </a:t>
             </a:r>
           </a:p>
           <a:p>
             <a:pPr lvl="1"/>
             <a:r>
               <a:rPr lang="en-US" dirty="0"/>
-              <a:t>HER2-Low Positive: 18</a:t>
+              <a:t>HER2-Low Positive: 6 pts</a:t>
             </a:r>
           </a:p>
           <a:p>
             <a:pPr lvl="1"/>
             <a:r>
               <a:rPr lang="en-US" dirty="0"/>
-              <a:t>HER2 Unknown: 14</a:t>
+              <a:t>HER2 Unknown: 9 pts</a:t>
             </a:r>
           </a:p>
           <a:p>
             <a:r>
               <a:rPr lang="en-US" dirty="0"/>
-              <a:t>HER2+/HR-: 4</a:t>
+              <a:t>HER2+/HR-: 2 pts</a:t>
             </a:r>
           </a:p>
           <a:p>
             <a:r>
               <a:rPr lang="en-US" dirty="0"/>
-              <a:t>HER2+/HR+: 30</a:t>
+              <a:t>HER2+/HR+: 14 pts</a:t>
             </a:r>
           </a:p>
           <a:p>
             <a:r>
               <a:rPr lang="en-US" dirty="0"/>
-              <a:t>TNBC: 20</a:t>
+              <a:t>TNBC: 9 pts</a:t>
             </a:r>
           </a:p>
           <a:p>
             <a:pPr lvl="1"/>
             <a:r>
               <a:rPr lang="en-US" dirty="0"/>
-              <a:t>HER2-0: 12</a:t>
+              <a:t>HER2-0: 5 pts</a:t>
             </a:r>
           </a:p>
           <a:p>
             <a:pPr lvl="1"/>
             <a:r>
               <a:rPr lang="en-US" dirty="0"/>
-              <a:t>HER2-Low Positive: 12</a:t>
+              <a:t>HER2-Low Positive: 2 pts</a:t>
             </a:r>
           </a:p>
           <a:p>
             <a:pPr lvl="1"/>
             <a:r>
               <a:rPr lang="en-US" dirty="0"/>
-              <a:t>HER2 Unknown: 4</a:t>
+              <a:t>HER2 Unknown: 2 pts</a:t>
             </a:r>
           </a:p>
         </p:txBody>
@@ -3625,79 +3625,78 @@
           <a:p>
             <a:r>
               <a:rPr lang="en-US" dirty="0"/>
-              <a:t>HER2-/HR+: 40</a:t>
+              <a:t>HER2-/HR+: 15 pts</a:t>
             </a:r>
           </a:p>
           <a:p>
             <a:pPr lvl="1"/>
             <a:r>
               <a:rPr lang="en-US" dirty="0"/>
-              <a:t>HER2-0: 4</a:t>
-            </a:r>
+              <a:t>HER2-0: 1 </a:t>
+            </a:r>
+            <a:r>
+              <a:rPr lang="en-US" dirty="0" err="1"/>
+              <a:t>pt</a:t>
+            </a:r>
+            <a:endParaRPr lang="en-US" dirty="0"/>
           </a:p>
           <a:p>
             <a:pPr lvl="1"/>
             <a:r>
               <a:rPr lang="en-US" dirty="0"/>
-              <a:t>HER2-Low Positive: 16</a:t>
+              <a:t>HER2-Low Positive: 5 pts</a:t>
             </a:r>
           </a:p>
           <a:p>
             <a:pPr lvl="1"/>
             <a:r>
-              <a:rPr lang="en-US" dirty="0">
-                <a:highlight>
-                  <a:srgbClr val="FFFF00"/>
-                </a:highlight>
-              </a:rPr>
-              <a:t>HER2-Positive: 6</a:t>
+              <a:rPr lang="en-US" dirty="0"/>
+              <a:t>HER2 Unknown/Not done: 9 pts</a:t>
+            </a:r>
+          </a:p>
+          <a:p>
+            <a:r>
+              <a:rPr lang="en-US" dirty="0"/>
+              <a:t>HER2+/HR-: 3 pts</a:t>
+            </a:r>
+          </a:p>
+          <a:p>
+            <a:r>
+              <a:rPr lang="en-US" dirty="0"/>
+              <a:t>HER2+/HR+: 12 pts</a:t>
+            </a:r>
+          </a:p>
+          <a:p>
+            <a:r>
+              <a:rPr lang="en-US" dirty="0"/>
+              <a:t>TNBC: 8 pts</a:t>
             </a:r>
           </a:p>
           <a:p>
             <a:pPr lvl="1"/>
             <a:r>
               <a:rPr lang="en-US" dirty="0"/>
-              <a:t>HER2 Unknown: 14</a:t>
-            </a:r>
-          </a:p>
-          <a:p>
+              <a:t>HER2-0: 5 pts</a:t>
+            </a:r>
+          </a:p>
+          <a:p>
+            <a:pPr lvl="1"/>
             <a:r>
               <a:rPr lang="en-US" dirty="0"/>
-              <a:t>HER2+/HR-: 6</a:t>
-            </a:r>
-          </a:p>
-          <a:p>
+              <a:t>HER2-Low Positive: 2 pts</a:t>
+            </a:r>
+          </a:p>
+          <a:p>
+            <a:pPr lvl="1"/>
             <a:r>
               <a:rPr lang="en-US" dirty="0"/>
-              <a:t>HER2+/HR+: 26</a:t>
-            </a:r>
-          </a:p>
-          <a:p>
-            <a:r>
-              <a:rPr lang="en-US" dirty="0"/>
-              <a:t>TNBC: 18</a:t>
-            </a:r>
-          </a:p>
-          <a:p>
-            <a:pPr lvl="1"/>
-            <a:r>
-              <a:rPr lang="en-US" dirty="0"/>
-              <a:t>HER2-0: 12</a:t>
-            </a:r>
-          </a:p>
-          <a:p>
-            <a:pPr lvl="1"/>
-            <a:r>
-              <a:rPr lang="en-US" dirty="0"/>
-              <a:t>HER2-Low Positive: 2</a:t>
-            </a:r>
-          </a:p>
-          <a:p>
-            <a:pPr lvl="1"/>
-            <a:r>
-              <a:rPr lang="en-US" dirty="0"/>
-              <a:t>HER2 Unknown: 4</a:t>
-            </a:r>
+              <a:t>HER2 Unknown: 1 </a:t>
+            </a:r>
+            <a:r>
+              <a:rPr lang="en-US" dirty="0" err="1"/>
+              <a:t>pt</a:t>
+            </a:r>
+            <a:endParaRPr lang="en-US" dirty="0"/>
           </a:p>
         </p:txBody>
       </p:sp>
@@ -3792,7 +3791,14 @@
             </a:r>
             <a:r>
               <a:rPr lang="en-US" dirty="0"/>
-              <a:t> HER2-/HR+: 6 samples (3 pts)</a:t>
+              <a:t> HER2-/HR+</a:t>
+            </a:r>
+          </a:p>
+          <a:p>
+            <a:pPr lvl="1"/>
+            <a:r>
+              <a:rPr lang="en-US" dirty="0"/>
+              <a:t>3 pts</a:t>
             </a:r>
           </a:p>
           <a:p>
@@ -3808,16 +3814,20 @@
             </a:r>
             <a:r>
               <a:rPr lang="en-US" dirty="0"/>
-              <a:t> HER2+/HR+: 2 samples (1 </a:t>
+              <a:t> HER2+/HR+</a:t>
+            </a:r>
+          </a:p>
+          <a:p>
+            <a:pPr lvl="1"/>
+            <a:r>
+              <a:rPr lang="en-US" dirty="0"/>
+              <a:t>1 </a:t>
             </a:r>
             <a:r>
               <a:rPr lang="en-US" dirty="0" err="1"/>
               <a:t>pt</a:t>
             </a:r>
-            <a:r>
-              <a:rPr lang="en-US" dirty="0"/>
-              <a:t>)</a:t>
-            </a:r>
+            <a:endParaRPr lang="en-US" dirty="0"/>
           </a:p>
           <a:p>
             <a:r>
@@ -3832,16 +3842,20 @@
             </a:r>
             <a:r>
               <a:rPr lang="en-US" dirty="0"/>
-              <a:t> HER2+/HR-: 2 samples (1 </a:t>
+              <a:t> HER2+/HR-</a:t>
+            </a:r>
+          </a:p>
+          <a:p>
+            <a:pPr lvl="1"/>
+            <a:r>
+              <a:rPr lang="en-US" dirty="0"/>
+              <a:t>1 </a:t>
             </a:r>
             <a:r>
               <a:rPr lang="en-US" dirty="0" err="1"/>
               <a:t>pt</a:t>
             </a:r>
-            <a:r>
-              <a:rPr lang="en-US" dirty="0"/>
-              <a:t>)</a:t>
-            </a:r>
+            <a:endParaRPr lang="en-US" dirty="0"/>
           </a:p>
         </p:txBody>
       </p:sp>
@@ -3937,7 +3951,7 @@
               <a:rPr lang="en-US" dirty="0">
                 <a:sym typeface="Wingdings" pitchFamily="2" charset="2"/>
               </a:rPr>
-              <a:t>2 samples (1 </a:t>
+              <a:t>1 </a:t>
             </a:r>
             <a:r>
               <a:rPr lang="en-US" dirty="0" err="1">
@@ -3945,12 +3959,9 @@
               </a:rPr>
               <a:t>pt</a:t>
             </a:r>
-            <a:r>
-              <a:rPr lang="en-US" dirty="0">
-                <a:sym typeface="Wingdings" pitchFamily="2" charset="2"/>
-              </a:rPr>
-              <a:t>)</a:t>
-            </a:r>
+            <a:endParaRPr lang="en-US" dirty="0">
+              <a:sym typeface="Wingdings" pitchFamily="2" charset="2"/>
+            </a:endParaRPr>
           </a:p>
           <a:p>
             <a:r>
@@ -3966,7 +3977,7 @@
               <a:rPr lang="en-US" dirty="0">
                 <a:sym typeface="Wingdings" pitchFamily="2" charset="2"/>
               </a:rPr>
-              <a:t>2 samples (1 </a:t>
+              <a:t>1 </a:t>
             </a:r>
             <a:r>
               <a:rPr lang="en-US" dirty="0" err="1">
@@ -3974,12 +3985,9 @@
               </a:rPr>
               <a:t>pt</a:t>
             </a:r>
-            <a:r>
-              <a:rPr lang="en-US" dirty="0">
-                <a:sym typeface="Wingdings" pitchFamily="2" charset="2"/>
-              </a:rPr>
-              <a:t>)</a:t>
-            </a:r>
+            <a:endParaRPr lang="en-US" dirty="0">
+              <a:sym typeface="Wingdings" pitchFamily="2" charset="2"/>
+            </a:endParaRPr>
           </a:p>
           <a:p>
             <a:r>
@@ -3999,7 +4007,7 @@
               <a:rPr lang="en-US" dirty="0">
                 <a:sym typeface="Wingdings" pitchFamily="2" charset="2"/>
               </a:rPr>
-              <a:t>10 samples (5 pts)</a:t>
+              <a:t>5 pts</a:t>
             </a:r>
           </a:p>
           <a:p>
@@ -4102,7 +4110,7 @@
               <a:rPr lang="en-US" dirty="0">
                 <a:sym typeface="Wingdings" pitchFamily="2" charset="2"/>
               </a:rPr>
-              <a:t>4 samples (2 pts)</a:t>
+              <a:t>2 pts</a:t>
             </a:r>
           </a:p>
           <a:p>
@@ -4123,7 +4131,7 @@
               <a:rPr lang="en-US" dirty="0">
                 <a:sym typeface="Wingdings" pitchFamily="2" charset="2"/>
               </a:rPr>
-              <a:t>4 samples (2 pts)</a:t>
+              <a:t>2 pts</a:t>
             </a:r>
           </a:p>
         </p:txBody>
@@ -4220,7 +4228,7 @@
               <a:rPr lang="en-US" dirty="0">
                 <a:sym typeface="Wingdings" pitchFamily="2" charset="2"/>
               </a:rPr>
-              <a:t>4 samples (2 pts)</a:t>
+              <a:t>2 pts</a:t>
             </a:r>
           </a:p>
           <a:p>
@@ -4237,7 +4245,7 @@
               <a:rPr lang="en-US" dirty="0">
                 <a:sym typeface="Wingdings" pitchFamily="2" charset="2"/>
               </a:rPr>
-              <a:t>2 samples (1 </a:t>
+              <a:t>1 </a:t>
             </a:r>
             <a:r>
               <a:rPr lang="en-US" dirty="0" err="1">
@@ -4245,12 +4253,9 @@
               </a:rPr>
               <a:t>pt</a:t>
             </a:r>
-            <a:r>
-              <a:rPr lang="en-US" dirty="0">
-                <a:sym typeface="Wingdings" pitchFamily="2" charset="2"/>
-              </a:rPr>
-              <a:t>)</a:t>
-            </a:r>
+            <a:endParaRPr lang="en-US" dirty="0">
+              <a:sym typeface="Wingdings" pitchFamily="2" charset="2"/>
+            </a:endParaRPr>
           </a:p>
           <a:p>
             <a:r>
@@ -4270,7 +4275,7 @@
               <a:rPr lang="en-US" dirty="0">
                 <a:sym typeface="Wingdings" pitchFamily="2" charset="2"/>
               </a:rPr>
-              <a:t>16 samples (8 pts)</a:t>
+              <a:t>5 pts</a:t>
             </a:r>
           </a:p>
         </p:txBody>

--- a/presentations/BCBM Subtype Analysis.pptx
+++ b/presentations/BCBM Subtype Analysis.pptx
@@ -3357,7 +3357,7 @@
           <a:p>
             <a:r>
               <a:rPr lang="en-US" dirty="0"/>
-              <a:t>Subtype Analysis</a:t>
+              <a:t>BCBM HTMA438: Subtype Analysis</a:t>
             </a:r>
           </a:p>
         </p:txBody>
@@ -3389,8 +3389,13 @@
             </a:r>
             <a:r>
               <a:rPr lang="en-US" dirty="0"/>
-              <a:t> DSP Project</a:t>
-            </a:r>
+              <a:t> Digital </a:t>
+            </a:r>
+            <a:r>
+              <a:rPr lang="en-US"/>
+              <a:t>Spatial Profiling</a:t>
+            </a:r>
+            <a:endParaRPr lang="en-US" dirty="0"/>
           </a:p>
         </p:txBody>
       </p:sp>
